--- a/Database Administrator/Module1-Artificial Intelligence & Big Data Analytics – An Introduction/1.1-AI and Big Data in Society(1th-3p)/Introduction to AI.pptx
+++ b/Database Administrator/Module1-Artificial Intelligence & Big Data Analytics – An Introduction/1.1-AI and Big Data in Society(1th-3p)/Introduction to AI.pptx
@@ -138,10 +138,25 @@
   <pc:docChgLst>
     <pc:chgData name="Krishna Kant Dubey" userId="cd28fa1e1902c48d" providerId="LiveId" clId="{3ED91AC1-AF15-4903-AE7B-4CB0D61E50BD}"/>
     <pc:docChg chg="modSld sldOrd">
-      <pc:chgData name="Krishna Kant Dubey" userId="cd28fa1e1902c48d" providerId="LiveId" clId="{3ED91AC1-AF15-4903-AE7B-4CB0D61E50BD}" dt="2025-08-05T09:12:10.028" v="1"/>
+      <pc:chgData name="Krishna Kant Dubey" userId="cd28fa1e1902c48d" providerId="LiveId" clId="{3ED91AC1-AF15-4903-AE7B-4CB0D61E50BD}" dt="2025-08-11T06:06:00.678" v="2"/>
       <pc:docMkLst>
         <pc:docMk/>
       </pc:docMkLst>
+      <pc:sldChg chg="addSp modSp">
+        <pc:chgData name="Krishna Kant Dubey" userId="cd28fa1e1902c48d" providerId="LiveId" clId="{3ED91AC1-AF15-4903-AE7B-4CB0D61E50BD}" dt="2025-08-11T06:06:00.678" v="2"/>
+        <pc:sldMkLst>
+          <pc:docMk/>
+          <pc:sldMk cId="2381247086" sldId="257"/>
+        </pc:sldMkLst>
+        <pc:picChg chg="add mod">
+          <ac:chgData name="Krishna Kant Dubey" userId="cd28fa1e1902c48d" providerId="LiveId" clId="{3ED91AC1-AF15-4903-AE7B-4CB0D61E50BD}" dt="2025-08-11T06:06:00.678" v="2"/>
+          <ac:picMkLst>
+            <pc:docMk/>
+            <pc:sldMk cId="2381247086" sldId="257"/>
+            <ac:picMk id="3" creationId="{01AFD90B-269A-04FA-ADE2-D62DE615218D}"/>
+          </ac:picMkLst>
+        </pc:picChg>
+      </pc:sldChg>
       <pc:sldChg chg="ord">
         <pc:chgData name="Krishna Kant Dubey" userId="cd28fa1e1902c48d" providerId="LiveId" clId="{3ED91AC1-AF15-4903-AE7B-4CB0D61E50BD}" dt="2025-08-05T09:12:10.028" v="1"/>
         <pc:sldMkLst>
@@ -466,14 +481,6 @@
           <pc:docMk/>
           <pc:sldMk cId="2883240827" sldId="275"/>
         </pc:sldMkLst>
-        <pc:spChg chg="del">
-          <ac:chgData name="Krishna Kant Dubey" userId="cd28fa1e1902c48d" providerId="LiveId" clId="{D66E7EAC-AE87-492A-9EF6-5392BE37986D}" dt="2025-08-04T07:04:23.313" v="270" actId="22"/>
-          <ac:spMkLst>
-            <pc:docMk/>
-            <pc:sldMk cId="2883240827" sldId="275"/>
-            <ac:spMk id="4" creationId="{618BA10D-079A-F9CD-5800-15CFAE690090}"/>
-          </ac:spMkLst>
-        </pc:spChg>
         <pc:spChg chg="mod">
           <ac:chgData name="Krishna Kant Dubey" userId="cd28fa1e1902c48d" providerId="LiveId" clId="{D66E7EAC-AE87-492A-9EF6-5392BE37986D}" dt="2025-07-30T12:57:04.476" v="153" actId="207"/>
           <ac:spMkLst>
@@ -684,7 +691,7 @@
           <a:p>
             <a:fld id="{771BC1E5-8BD3-45A8-A8D4-BE6B8D3F526F}" type="datetimeFigureOut">
               <a:rPr lang="en-IN" smtClean="0"/>
-              <a:t>05-08-2025</a:t>
+              <a:t>11-08-2025</a:t>
             </a:fld>
             <a:endParaRPr lang="en-IN"/>
           </a:p>
@@ -1101,7 +1108,7 @@
           <a:p>
             <a:fld id="{8B8265E5-5E35-4F50-869B-ACC7CF337DF9}" type="datetimeFigureOut">
               <a:rPr lang="en-IN" smtClean="0"/>
-              <a:t>05-08-2025</a:t>
+              <a:t>11-08-2025</a:t>
             </a:fld>
             <a:endParaRPr lang="en-IN"/>
           </a:p>
@@ -1301,7 +1308,7 @@
           <a:p>
             <a:fld id="{8B8265E5-5E35-4F50-869B-ACC7CF337DF9}" type="datetimeFigureOut">
               <a:rPr lang="en-IN" smtClean="0"/>
-              <a:t>05-08-2025</a:t>
+              <a:t>11-08-2025</a:t>
             </a:fld>
             <a:endParaRPr lang="en-IN"/>
           </a:p>
@@ -1511,7 +1518,7 @@
           <a:p>
             <a:fld id="{8B8265E5-5E35-4F50-869B-ACC7CF337DF9}" type="datetimeFigureOut">
               <a:rPr lang="en-IN" smtClean="0"/>
-              <a:t>05-08-2025</a:t>
+              <a:t>11-08-2025</a:t>
             </a:fld>
             <a:endParaRPr lang="en-IN"/>
           </a:p>
@@ -1711,7 +1718,7 @@
           <a:p>
             <a:fld id="{8B8265E5-5E35-4F50-869B-ACC7CF337DF9}" type="datetimeFigureOut">
               <a:rPr lang="en-IN" smtClean="0"/>
-              <a:t>05-08-2025</a:t>
+              <a:t>11-08-2025</a:t>
             </a:fld>
             <a:endParaRPr lang="en-IN"/>
           </a:p>
@@ -1987,7 +1994,7 @@
           <a:p>
             <a:fld id="{8B8265E5-5E35-4F50-869B-ACC7CF337DF9}" type="datetimeFigureOut">
               <a:rPr lang="en-IN" smtClean="0"/>
-              <a:t>05-08-2025</a:t>
+              <a:t>11-08-2025</a:t>
             </a:fld>
             <a:endParaRPr lang="en-IN"/>
           </a:p>
@@ -2255,7 +2262,7 @@
           <a:p>
             <a:fld id="{8B8265E5-5E35-4F50-869B-ACC7CF337DF9}" type="datetimeFigureOut">
               <a:rPr lang="en-IN" smtClean="0"/>
-              <a:t>05-08-2025</a:t>
+              <a:t>11-08-2025</a:t>
             </a:fld>
             <a:endParaRPr lang="en-IN"/>
           </a:p>
@@ -2670,7 +2677,7 @@
           <a:p>
             <a:fld id="{8B8265E5-5E35-4F50-869B-ACC7CF337DF9}" type="datetimeFigureOut">
               <a:rPr lang="en-IN" smtClean="0"/>
-              <a:t>05-08-2025</a:t>
+              <a:t>11-08-2025</a:t>
             </a:fld>
             <a:endParaRPr lang="en-IN"/>
           </a:p>
@@ -2812,7 +2819,7 @@
           <a:p>
             <a:fld id="{8B8265E5-5E35-4F50-869B-ACC7CF337DF9}" type="datetimeFigureOut">
               <a:rPr lang="en-IN" smtClean="0"/>
-              <a:t>05-08-2025</a:t>
+              <a:t>11-08-2025</a:t>
             </a:fld>
             <a:endParaRPr lang="en-IN"/>
           </a:p>
@@ -2925,7 +2932,7 @@
           <a:p>
             <a:fld id="{8B8265E5-5E35-4F50-869B-ACC7CF337DF9}" type="datetimeFigureOut">
               <a:rPr lang="en-IN" smtClean="0"/>
-              <a:t>05-08-2025</a:t>
+              <a:t>11-08-2025</a:t>
             </a:fld>
             <a:endParaRPr lang="en-IN"/>
           </a:p>
@@ -3238,7 +3245,7 @@
           <a:p>
             <a:fld id="{8B8265E5-5E35-4F50-869B-ACC7CF337DF9}" type="datetimeFigureOut">
               <a:rPr lang="en-IN" smtClean="0"/>
-              <a:t>05-08-2025</a:t>
+              <a:t>11-08-2025</a:t>
             </a:fld>
             <a:endParaRPr lang="en-IN"/>
           </a:p>
@@ -3527,7 +3534,7 @@
           <a:p>
             <a:fld id="{8B8265E5-5E35-4F50-869B-ACC7CF337DF9}" type="datetimeFigureOut">
               <a:rPr lang="en-IN" smtClean="0"/>
-              <a:t>05-08-2025</a:t>
+              <a:t>11-08-2025</a:t>
             </a:fld>
             <a:endParaRPr lang="en-IN"/>
           </a:p>
@@ -3770,7 +3777,7 @@
           <a:p>
             <a:fld id="{8B8265E5-5E35-4F50-869B-ACC7CF337DF9}" type="datetimeFigureOut">
               <a:rPr lang="en-IN" smtClean="0"/>
-              <a:t>05-08-2025</a:t>
+              <a:t>11-08-2025</a:t>
             </a:fld>
             <a:endParaRPr lang="en-IN"/>
           </a:p>
@@ -4319,6 +4326,41 @@
           </a:p>
         </p:txBody>
       </p:sp>
+      <p:pic>
+        <p:nvPicPr>
+          <p:cNvPr id="3" name="Content Placeholder 4">
+            <a:extLst>
+              <a:ext uri="{FF2B5EF4-FFF2-40B4-BE49-F238E27FC236}">
+                <a16:creationId xmlns:a16="http://schemas.microsoft.com/office/drawing/2014/main" id="{01AFD90B-269A-04FA-ADE2-D62DE615218D}"/>
+              </a:ext>
+            </a:extLst>
+          </p:cNvPr>
+          <p:cNvPicPr>
+            <a:picLocks noChangeAspect="1"/>
+          </p:cNvPicPr>
+          <p:nvPr/>
+        </p:nvPicPr>
+        <p:blipFill>
+          <a:blip r:embed="rId4">
+            <a:extLst>
+              <a:ext uri="{28A0092B-C50C-407E-A947-70E740481C1C}">
+                <a14:useLocalDpi xmlns:a14="http://schemas.microsoft.com/office/drawing/2010/main" val="0"/>
+              </a:ext>
+            </a:extLst>
+          </a:blip>
+          <a:srcRect/>
+          <a:stretch/>
+        </p:blipFill>
+        <p:spPr>
+          <a:xfrm>
+            <a:off x="0" y="0"/>
+            <a:ext cx="12198095" cy="6858000"/>
+          </a:xfrm>
+          <a:prstGeom prst="rect">
+            <a:avLst/>
+          </a:prstGeom>
+        </p:spPr>
+      </p:pic>
     </p:spTree>
     <p:extLst>
       <p:ext uri="{BB962C8B-B14F-4D97-AF65-F5344CB8AC3E}">
